--- a/paper_3_report/[roll_no_91]Database_connection_techology.pptx
+++ b/paper_3_report/[roll_no_91]Database_connection_techology.pptx
@@ -18,6 +18,7 @@
     <p:sldId id="266" r:id="rId12"/>
     <p:sldId id="267" r:id="rId13"/>
     <p:sldId id="268" r:id="rId14"/>
+    <p:sldId id="269" r:id="rId15"/>
   </p:sldIdLst>
   <p:sldSz cx="12192000" cy="6858000"/>
   <p:notesSz cx="6858000" cy="9144000"/>
@@ -527,7 +528,7 @@
           <a:p>
             <a:fld id="{1C80EA17-63F3-4111-A47D-E83527640CA9}" type="datetimeFigureOut">
               <a:rPr lang="en-IN" smtClean="0"/>
-              <a:t>17-04-2022</a:t>
+              <a:t>22-04-2022</a:t>
             </a:fld>
             <a:endParaRPr lang="en-IN"/>
           </a:p>
@@ -706,7 +707,7 @@
           <a:p>
             <a:fld id="{1C80EA17-63F3-4111-A47D-E83527640CA9}" type="datetimeFigureOut">
               <a:rPr lang="en-IN" smtClean="0"/>
-              <a:t>17-04-2022</a:t>
+              <a:t>22-04-2022</a:t>
             </a:fld>
             <a:endParaRPr lang="en-IN"/>
           </a:p>
@@ -886,7 +887,7 @@
           <a:p>
             <a:fld id="{1C80EA17-63F3-4111-A47D-E83527640CA9}" type="datetimeFigureOut">
               <a:rPr lang="en-IN" smtClean="0"/>
-              <a:t>17-04-2022</a:t>
+              <a:t>22-04-2022</a:t>
             </a:fld>
             <a:endParaRPr lang="en-IN"/>
           </a:p>
@@ -1056,7 +1057,7 @@
           <a:p>
             <a:fld id="{1C80EA17-63F3-4111-A47D-E83527640CA9}" type="datetimeFigureOut">
               <a:rPr lang="en-IN" smtClean="0"/>
-              <a:t>17-04-2022</a:t>
+              <a:t>22-04-2022</a:t>
             </a:fld>
             <a:endParaRPr lang="en-IN"/>
           </a:p>
@@ -1369,7 +1370,7 @@
           <a:p>
             <a:fld id="{1C80EA17-63F3-4111-A47D-E83527640CA9}" type="datetimeFigureOut">
               <a:rPr lang="en-IN" smtClean="0"/>
-              <a:t>17-04-2022</a:t>
+              <a:t>22-04-2022</a:t>
             </a:fld>
             <a:endParaRPr lang="en-IN"/>
           </a:p>
@@ -1755,7 +1756,7 @@
           <a:p>
             <a:fld id="{1C80EA17-63F3-4111-A47D-E83527640CA9}" type="datetimeFigureOut">
               <a:rPr lang="en-IN" smtClean="0"/>
-              <a:t>17-04-2022</a:t>
+              <a:t>22-04-2022</a:t>
             </a:fld>
             <a:endParaRPr lang="en-IN"/>
           </a:p>
@@ -2189,7 +2190,7 @@
           <a:p>
             <a:fld id="{1C80EA17-63F3-4111-A47D-E83527640CA9}" type="datetimeFigureOut">
               <a:rPr lang="en-IN" smtClean="0"/>
-              <a:t>17-04-2022</a:t>
+              <a:t>22-04-2022</a:t>
             </a:fld>
             <a:endParaRPr lang="en-IN"/>
           </a:p>
@@ -2307,7 +2308,7 @@
           <a:p>
             <a:fld id="{1C80EA17-63F3-4111-A47D-E83527640CA9}" type="datetimeFigureOut">
               <a:rPr lang="en-IN" smtClean="0"/>
-              <a:t>17-04-2022</a:t>
+              <a:t>22-04-2022</a:t>
             </a:fld>
             <a:endParaRPr lang="en-IN"/>
           </a:p>
@@ -2402,7 +2403,7 @@
           <a:p>
             <a:fld id="{1C80EA17-63F3-4111-A47D-E83527640CA9}" type="datetimeFigureOut">
               <a:rPr lang="en-IN" smtClean="0"/>
-              <a:t>17-04-2022</a:t>
+              <a:t>22-04-2022</a:t>
             </a:fld>
             <a:endParaRPr lang="en-IN"/>
           </a:p>
@@ -2752,7 +2753,7 @@
           <a:p>
             <a:fld id="{1C80EA17-63F3-4111-A47D-E83527640CA9}" type="datetimeFigureOut">
               <a:rPr lang="en-IN" smtClean="0"/>
-              <a:t>17-04-2022</a:t>
+              <a:t>22-04-2022</a:t>
             </a:fld>
             <a:endParaRPr lang="en-IN"/>
           </a:p>
@@ -3177,7 +3178,7 @@
           <a:p>
             <a:fld id="{1C80EA17-63F3-4111-A47D-E83527640CA9}" type="datetimeFigureOut">
               <a:rPr lang="en-IN" smtClean="0"/>
-              <a:t>17-04-2022</a:t>
+              <a:t>22-04-2022</a:t>
             </a:fld>
             <a:endParaRPr lang="en-IN"/>
           </a:p>
@@ -3458,7 +3459,7 @@
           <a:p>
             <a:fld id="{1C80EA17-63F3-4111-A47D-E83527640CA9}" type="datetimeFigureOut">
               <a:rPr lang="en-IN" smtClean="0"/>
-              <a:t>17-04-2022</a:t>
+              <a:t>22-04-2022</a:t>
             </a:fld>
             <a:endParaRPr lang="en-IN"/>
           </a:p>
@@ -4674,6 +4675,147 @@
 </p:sld>
 </file>
 
+<file path=ppt/slides/slide14.xml><?xml version="1.0" encoding="utf-8"?>
+<p:sld xmlns:a="http://schemas.openxmlformats.org/drawingml/2006/main" xmlns:r="http://schemas.openxmlformats.org/officeDocument/2006/relationships" xmlns:p="http://schemas.openxmlformats.org/presentationml/2006/main">
+  <p:cSld>
+    <p:spTree>
+      <p:nvGrpSpPr>
+        <p:cNvPr id="1" name=""/>
+        <p:cNvGrpSpPr/>
+        <p:nvPr/>
+      </p:nvGrpSpPr>
+      <p:grpSpPr>
+        <a:xfrm>
+          <a:off x="0" y="0"/>
+          <a:ext cx="0" cy="0"/>
+          <a:chOff x="0" y="0"/>
+          <a:chExt cx="0" cy="0"/>
+        </a:xfrm>
+      </p:grpSpPr>
+      <p:sp>
+        <p:nvSpPr>
+          <p:cNvPr id="2" name="Title 1">
+            <a:extLst>
+              <a:ext uri="{FF2B5EF4-FFF2-40B4-BE49-F238E27FC236}">
+                <a16:creationId xmlns:a16="http://schemas.microsoft.com/office/drawing/2014/main" id="{B5EF8B38-8874-4DC3-8721-45C9F14F7CC1}"/>
+              </a:ext>
+            </a:extLst>
+          </p:cNvPr>
+          <p:cNvSpPr>
+            <a:spLocks noGrp="1"/>
+          </p:cNvSpPr>
+          <p:nvPr>
+            <p:ph type="title"/>
+          </p:nvPr>
+        </p:nvSpPr>
+        <p:spPr/>
+        <p:txBody>
+          <a:bodyPr/>
+          <a:lstStyle/>
+          <a:p>
+            <a:r>
+              <a:rPr lang="en-IN" dirty="0"/>
+              <a:t>References</a:t>
+            </a:r>
+          </a:p>
+        </p:txBody>
+      </p:sp>
+      <p:sp>
+        <p:nvSpPr>
+          <p:cNvPr id="3" name="Content Placeholder 2">
+            <a:extLst>
+              <a:ext uri="{FF2B5EF4-FFF2-40B4-BE49-F238E27FC236}">
+                <a16:creationId xmlns:a16="http://schemas.microsoft.com/office/drawing/2014/main" id="{07C227A6-608E-43B6-8EB7-53B7DD71BFFB}"/>
+              </a:ext>
+            </a:extLst>
+          </p:cNvPr>
+          <p:cNvSpPr>
+            <a:spLocks noGrp="1"/>
+          </p:cNvSpPr>
+          <p:nvPr>
+            <p:ph idx="1"/>
+          </p:nvPr>
+        </p:nvSpPr>
+        <p:spPr/>
+        <p:txBody>
+          <a:bodyPr/>
+          <a:lstStyle/>
+          <a:p>
+            <a:r>
+              <a:rPr lang="en-IN" sz="1800" dirty="0">
+                <a:effectLst/>
+                <a:latin typeface="Times New Roman" panose="02020603050405020304" pitchFamily="18" charset="0"/>
+                <a:ea typeface="Times New Roman" panose="02020603050405020304" pitchFamily="18" charset="0"/>
+              </a:rPr>
+              <a:t>Kumari, S., Rani, K. S., &amp; Yadav, M. (2017). Database Connection </a:t>
+            </a:r>
+            <a:r>
+              <a:rPr lang="en-IN" sz="1800" dirty="0" err="1">
+                <a:effectLst/>
+                <a:latin typeface="Times New Roman" panose="02020603050405020304" pitchFamily="18" charset="0"/>
+                <a:ea typeface="Times New Roman" panose="02020603050405020304" pitchFamily="18" charset="0"/>
+              </a:rPr>
+              <a:t>Techonology</a:t>
+            </a:r>
+            <a:r>
+              <a:rPr lang="en-IN" sz="1800" dirty="0">
+                <a:effectLst/>
+                <a:latin typeface="Times New Roman" panose="02020603050405020304" pitchFamily="18" charset="0"/>
+                <a:ea typeface="Times New Roman" panose="02020603050405020304" pitchFamily="18" charset="0"/>
+              </a:rPr>
+              <a:t>. </a:t>
+            </a:r>
+            <a:r>
+              <a:rPr lang="en-IN" sz="1800" i="1" dirty="0">
+                <a:effectLst/>
+                <a:latin typeface="Times New Roman" panose="02020603050405020304" pitchFamily="18" charset="0"/>
+                <a:ea typeface="Times New Roman" panose="02020603050405020304" pitchFamily="18" charset="0"/>
+              </a:rPr>
+              <a:t>International Journal of Advanced Research in Computer Science</a:t>
+            </a:r>
+            <a:r>
+              <a:rPr lang="en-IN" sz="1800" dirty="0">
+                <a:effectLst/>
+                <a:latin typeface="Times New Roman" panose="02020603050405020304" pitchFamily="18" charset="0"/>
+                <a:ea typeface="Times New Roman" panose="02020603050405020304" pitchFamily="18" charset="0"/>
+              </a:rPr>
+              <a:t>, </a:t>
+            </a:r>
+            <a:r>
+              <a:rPr lang="en-IN" sz="1800" i="1" dirty="0">
+                <a:effectLst/>
+                <a:latin typeface="Times New Roman" panose="02020603050405020304" pitchFamily="18" charset="0"/>
+                <a:ea typeface="Times New Roman" panose="02020603050405020304" pitchFamily="18" charset="0"/>
+              </a:rPr>
+              <a:t>8</a:t>
+            </a:r>
+            <a:r>
+              <a:rPr lang="en-IN" sz="1800" dirty="0">
+                <a:effectLst/>
+                <a:latin typeface="Times New Roman" panose="02020603050405020304" pitchFamily="18" charset="0"/>
+                <a:ea typeface="Times New Roman" panose="02020603050405020304" pitchFamily="18" charset="0"/>
+              </a:rPr>
+              <a:t>(5). https://doi.org/https://doi.org/10.26483/ijarcs.v8i5 </a:t>
+            </a:r>
+          </a:p>
+          <a:p>
+            <a:endParaRPr lang="en-IN" dirty="0"/>
+          </a:p>
+        </p:txBody>
+      </p:sp>
+    </p:spTree>
+    <p:extLst>
+      <p:ext uri="{BB962C8B-B14F-4D97-AF65-F5344CB8AC3E}">
+        <p14:creationId xmlns:p14="http://schemas.microsoft.com/office/powerpoint/2010/main" val="4230182745"/>
+      </p:ext>
+    </p:extLst>
+  </p:cSld>
+  <p:clrMapOvr>
+    <a:masterClrMapping/>
+  </p:clrMapOvr>
+</p:sld>
+</file>
+
 <file path=ppt/slides/slide2.xml><?xml version="1.0" encoding="utf-8"?>
 <p:sld xmlns:a="http://schemas.openxmlformats.org/drawingml/2006/main" xmlns:r="http://schemas.openxmlformats.org/officeDocument/2006/relationships" xmlns:p="http://schemas.openxmlformats.org/presentationml/2006/main">
   <p:cSld>
@@ -4866,12 +5008,6 @@
             <a:r>
               <a:rPr lang="en-IN" dirty="0"/>
               <a:t>Serves as Interface</a:t>
-            </a:r>
-          </a:p>
-          <a:p>
-            <a:r>
-              <a:rPr lang="en-IN" dirty="0"/>
-              <a:t>Organizes data</a:t>
             </a:r>
           </a:p>
           <a:p>
@@ -5282,33 +5418,15 @@
                                   </p:childTnLst>
                                 </p:cTn>
                               </p:par>
-                            </p:childTnLst>
-                          </p:cTn>
-                        </p:par>
-                      </p:childTnLst>
-                    </p:cTn>
-                  </p:par>
-                  <p:par>
-                    <p:cTn id="13" fill="hold">
-                      <p:stCondLst>
-                        <p:cond delay="indefinite"/>
-                      </p:stCondLst>
-                      <p:childTnLst>
-                        <p:par>
-                          <p:cTn id="14" fill="hold">
-                            <p:stCondLst>
-                              <p:cond delay="0"/>
-                            </p:stCondLst>
-                            <p:childTnLst>
                               <p:par>
-                                <p:cTn id="15" presetID="10" presetClass="entr" presetSubtype="0" fill="hold" grpId="0" nodeType="clickEffect">
+                                <p:cTn id="13" presetID="10" presetClass="entr" presetSubtype="0" fill="hold" grpId="0" nodeType="withEffect">
                                   <p:stCondLst>
                                     <p:cond delay="0"/>
                                   </p:stCondLst>
                                   <p:childTnLst>
                                     <p:set>
                                       <p:cBhvr>
-                                        <p:cTn id="16" dur="1" fill="hold">
+                                        <p:cTn id="14" dur="1" fill="hold">
                                           <p:stCondLst>
                                             <p:cond delay="0"/>
                                           </p:stCondLst>
@@ -5330,7 +5448,7 @@
                                     </p:set>
                                     <p:animEffect transition="in" filter="fade">
                                       <p:cBhvr>
-                                        <p:cTn id="17" dur="500"/>
+                                        <p:cTn id="15" dur="500"/>
                                         <p:tgtEl>
                                           <p:spTgt spid="3">
                                             <p:txEl>
@@ -5344,14 +5462,102 @@
                                 </p:cTn>
                               </p:par>
                               <p:par>
-                                <p:cTn id="18" presetID="10" presetClass="entr" presetSubtype="0" fill="hold" grpId="0" nodeType="withEffect">
+                                <p:cTn id="16" presetID="10" presetClass="entr" presetSubtype="0" fill="hold" nodeType="withEffect">
                                   <p:stCondLst>
                                     <p:cond delay="0"/>
                                   </p:stCondLst>
                                   <p:childTnLst>
                                     <p:set>
                                       <p:cBhvr>
-                                        <p:cTn id="19" dur="1" fill="hold">
+                                        <p:cTn id="17" dur="1" fill="hold">
+                                          <p:stCondLst>
+                                            <p:cond delay="0"/>
+                                          </p:stCondLst>
+                                        </p:cTn>
+                                        <p:tgtEl>
+                                          <p:spTgt spid="1026"/>
+                                        </p:tgtEl>
+                                        <p:attrNameLst>
+                                          <p:attrName>style.visibility</p:attrName>
+                                        </p:attrNameLst>
+                                      </p:cBhvr>
+                                      <p:to>
+                                        <p:strVal val="visible"/>
+                                      </p:to>
+                                    </p:set>
+                                    <p:animEffect transition="in" filter="fade">
+                                      <p:cBhvr>
+                                        <p:cTn id="18" dur="500"/>
+                                        <p:tgtEl>
+                                          <p:spTgt spid="1026"/>
+                                        </p:tgtEl>
+                                      </p:cBhvr>
+                                    </p:animEffect>
+                                  </p:childTnLst>
+                                </p:cTn>
+                              </p:par>
+                            </p:childTnLst>
+                          </p:cTn>
+                        </p:par>
+                      </p:childTnLst>
+                    </p:cTn>
+                  </p:par>
+                  <p:par>
+                    <p:cTn id="19" fill="hold">
+                      <p:stCondLst>
+                        <p:cond delay="indefinite"/>
+                      </p:stCondLst>
+                      <p:childTnLst>
+                        <p:par>
+                          <p:cTn id="20" fill="hold">
+                            <p:stCondLst>
+                              <p:cond delay="0"/>
+                            </p:stCondLst>
+                            <p:childTnLst>
+                              <p:par>
+                                <p:cTn id="21" presetID="10" presetClass="exit" presetSubtype="0" fill="hold" nodeType="clickEffect">
+                                  <p:stCondLst>
+                                    <p:cond delay="0"/>
+                                  </p:stCondLst>
+                                  <p:childTnLst>
+                                    <p:animEffect transition="out" filter="fade">
+                                      <p:cBhvr>
+                                        <p:cTn id="22" dur="500"/>
+                                        <p:tgtEl>
+                                          <p:spTgt spid="1026"/>
+                                        </p:tgtEl>
+                                      </p:cBhvr>
+                                    </p:animEffect>
+                                    <p:set>
+                                      <p:cBhvr>
+                                        <p:cTn id="23" dur="1" fill="hold">
+                                          <p:stCondLst>
+                                            <p:cond delay="499"/>
+                                          </p:stCondLst>
+                                        </p:cTn>
+                                        <p:tgtEl>
+                                          <p:spTgt spid="1026"/>
+                                        </p:tgtEl>
+                                        <p:attrNameLst>
+                                          <p:attrName>style.visibility</p:attrName>
+                                        </p:attrNameLst>
+                                      </p:cBhvr>
+                                      <p:to>
+                                        <p:strVal val="hidden"/>
+                                      </p:to>
+                                    </p:set>
+                                  </p:childTnLst>
+                                </p:cTn>
+                              </p:par>
+                              <p:par>
+                                <p:cTn id="24" presetID="10" presetClass="entr" presetSubtype="0" fill="hold" grpId="0" nodeType="withEffect">
+                                  <p:stCondLst>
+                                    <p:cond delay="0"/>
+                                  </p:stCondLst>
+                                  <p:childTnLst>
+                                    <p:set>
+                                      <p:cBhvr>
+                                        <p:cTn id="25" dur="1" fill="hold">
                                           <p:stCondLst>
                                             <p:cond delay="0"/>
                                           </p:stCondLst>
@@ -5373,7 +5579,7 @@
                                     </p:set>
                                     <p:animEffect transition="in" filter="fade">
                                       <p:cBhvr>
-                                        <p:cTn id="20" dur="500"/>
+                                        <p:cTn id="26" dur="500"/>
                                         <p:tgtEl>
                                           <p:spTgt spid="3">
                                             <p:txEl>
@@ -5387,20 +5593,20 @@
                                 </p:cTn>
                               </p:par>
                               <p:par>
-                                <p:cTn id="21" presetID="10" presetClass="entr" presetSubtype="0" fill="hold" nodeType="withEffect">
+                                <p:cTn id="27" presetID="10" presetClass="entr" presetSubtype="0" fill="hold" nodeType="withEffect">
                                   <p:stCondLst>
                                     <p:cond delay="0"/>
                                   </p:stCondLst>
                                   <p:childTnLst>
                                     <p:set>
                                       <p:cBhvr>
-                                        <p:cTn id="22" dur="1" fill="hold">
+                                        <p:cTn id="28" dur="1" fill="hold">
                                           <p:stCondLst>
                                             <p:cond delay="0"/>
                                           </p:stCondLst>
                                         </p:cTn>
                                         <p:tgtEl>
-                                          <p:spTgt spid="1026"/>
+                                          <p:spTgt spid="1028"/>
                                         </p:tgtEl>
                                         <p:attrNameLst>
                                           <p:attrName>style.visibility</p:attrName>
@@ -5412,9 +5618,9 @@
                                     </p:set>
                                     <p:animEffect transition="in" filter="fade">
                                       <p:cBhvr>
-                                        <p:cTn id="23" dur="500"/>
+                                        <p:cTn id="29" dur="500"/>
                                         <p:tgtEl>
-                                          <p:spTgt spid="1026"/>
+                                          <p:spTgt spid="1028"/>
                                         </p:tgtEl>
                                       </p:cBhvr>
                                     </p:animEffect>
@@ -5428,40 +5634,40 @@
                     </p:cTn>
                   </p:par>
                   <p:par>
-                    <p:cTn id="24" fill="hold">
+                    <p:cTn id="30" fill="hold">
                       <p:stCondLst>
                         <p:cond delay="indefinite"/>
                       </p:stCondLst>
                       <p:childTnLst>
                         <p:par>
-                          <p:cTn id="25" fill="hold">
+                          <p:cTn id="31" fill="hold">
                             <p:stCondLst>
                               <p:cond delay="0"/>
                             </p:stCondLst>
                             <p:childTnLst>
                               <p:par>
-                                <p:cTn id="26" presetID="10" presetClass="exit" presetSubtype="0" fill="hold" nodeType="clickEffect">
+                                <p:cTn id="32" presetID="10" presetClass="exit" presetSubtype="0" fill="hold" nodeType="clickEffect">
                                   <p:stCondLst>
                                     <p:cond delay="0"/>
                                   </p:stCondLst>
                                   <p:childTnLst>
                                     <p:animEffect transition="out" filter="fade">
                                       <p:cBhvr>
-                                        <p:cTn id="27" dur="500"/>
+                                        <p:cTn id="33" dur="500"/>
                                         <p:tgtEl>
-                                          <p:spTgt spid="1026"/>
+                                          <p:spTgt spid="1028"/>
                                         </p:tgtEl>
                                       </p:cBhvr>
                                     </p:animEffect>
                                     <p:set>
                                       <p:cBhvr>
-                                        <p:cTn id="28" dur="1" fill="hold">
+                                        <p:cTn id="34" dur="1" fill="hold">
                                           <p:stCondLst>
                                             <p:cond delay="499"/>
                                           </p:stCondLst>
                                         </p:cTn>
                                         <p:tgtEl>
-                                          <p:spTgt spid="1026"/>
+                                          <p:spTgt spid="1028"/>
                                         </p:tgtEl>
                                         <p:attrNameLst>
                                           <p:attrName>style.visibility</p:attrName>
@@ -5475,14 +5681,14 @@
                                 </p:cTn>
                               </p:par>
                               <p:par>
-                                <p:cTn id="29" presetID="10" presetClass="entr" presetSubtype="0" fill="hold" grpId="0" nodeType="withEffect">
+                                <p:cTn id="35" presetID="10" presetClass="entr" presetSubtype="0" fill="hold" grpId="0" nodeType="withEffect">
                                   <p:stCondLst>
                                     <p:cond delay="0"/>
                                   </p:stCondLst>
                                   <p:childTnLst>
                                     <p:set>
                                       <p:cBhvr>
-                                        <p:cTn id="30" dur="1" fill="hold">
+                                        <p:cTn id="36" dur="1" fill="hold">
                                           <p:stCondLst>
                                             <p:cond delay="0"/>
                                           </p:stCondLst>
@@ -5504,7 +5710,7 @@
                                     </p:set>
                                     <p:animEffect transition="in" filter="fade">
                                       <p:cBhvr>
-                                        <p:cTn id="31" dur="500"/>
+                                        <p:cTn id="37" dur="500"/>
                                         <p:tgtEl>
                                           <p:spTgt spid="3">
                                             <p:txEl>
@@ -5518,20 +5724,20 @@
                                 </p:cTn>
                               </p:par>
                               <p:par>
-                                <p:cTn id="32" presetID="10" presetClass="entr" presetSubtype="0" fill="hold" nodeType="withEffect">
+                                <p:cTn id="38" presetID="10" presetClass="entr" presetSubtype="0" fill="hold" nodeType="withEffect">
                                   <p:stCondLst>
                                     <p:cond delay="0"/>
                                   </p:stCondLst>
                                   <p:childTnLst>
                                     <p:set>
                                       <p:cBhvr>
-                                        <p:cTn id="33" dur="1" fill="hold">
+                                        <p:cTn id="39" dur="1" fill="hold">
                                           <p:stCondLst>
                                             <p:cond delay="0"/>
                                           </p:stCondLst>
                                         </p:cTn>
                                         <p:tgtEl>
-                                          <p:spTgt spid="1028"/>
+                                          <p:spTgt spid="1030"/>
                                         </p:tgtEl>
                                         <p:attrNameLst>
                                           <p:attrName>style.visibility</p:attrName>
@@ -5543,9 +5749,9 @@
                                     </p:set>
                                     <p:animEffect transition="in" filter="fade">
                                       <p:cBhvr>
-                                        <p:cTn id="34" dur="500"/>
+                                        <p:cTn id="40" dur="500"/>
                                         <p:tgtEl>
-                                          <p:spTgt spid="1028"/>
+                                          <p:spTgt spid="1030"/>
                                         </p:tgtEl>
                                       </p:cBhvr>
                                     </p:animEffect>
@@ -5559,40 +5765,40 @@
                     </p:cTn>
                   </p:par>
                   <p:par>
-                    <p:cTn id="35" fill="hold">
+                    <p:cTn id="41" fill="hold">
                       <p:stCondLst>
                         <p:cond delay="indefinite"/>
                       </p:stCondLst>
                       <p:childTnLst>
                         <p:par>
-                          <p:cTn id="36" fill="hold">
+                          <p:cTn id="42" fill="hold">
                             <p:stCondLst>
                               <p:cond delay="0"/>
                             </p:stCondLst>
                             <p:childTnLst>
                               <p:par>
-                                <p:cTn id="37" presetID="10" presetClass="exit" presetSubtype="0" fill="hold" nodeType="clickEffect">
+                                <p:cTn id="43" presetID="10" presetClass="exit" presetSubtype="0" fill="hold" nodeType="clickEffect">
                                   <p:stCondLst>
                                     <p:cond delay="0"/>
                                   </p:stCondLst>
                                   <p:childTnLst>
                                     <p:animEffect transition="out" filter="fade">
                                       <p:cBhvr>
-                                        <p:cTn id="38" dur="500"/>
+                                        <p:cTn id="44" dur="500"/>
                                         <p:tgtEl>
-                                          <p:spTgt spid="1028"/>
+                                          <p:spTgt spid="1030"/>
                                         </p:tgtEl>
                                       </p:cBhvr>
                                     </p:animEffect>
                                     <p:set>
                                       <p:cBhvr>
-                                        <p:cTn id="39" dur="1" fill="hold">
+                                        <p:cTn id="45" dur="1" fill="hold">
                                           <p:stCondLst>
                                             <p:cond delay="499"/>
                                           </p:stCondLst>
                                         </p:cTn>
                                         <p:tgtEl>
-                                          <p:spTgt spid="1028"/>
+                                          <p:spTgt spid="1030"/>
                                         </p:tgtEl>
                                         <p:attrNameLst>
                                           <p:attrName>style.visibility</p:attrName>
@@ -5606,14 +5812,14 @@
                                 </p:cTn>
                               </p:par>
                               <p:par>
-                                <p:cTn id="40" presetID="10" presetClass="entr" presetSubtype="0" fill="hold" grpId="0" nodeType="withEffect">
+                                <p:cTn id="46" presetID="10" presetClass="entr" presetSubtype="0" fill="hold" grpId="0" nodeType="withEffect">
                                   <p:stCondLst>
                                     <p:cond delay="0"/>
                                   </p:stCondLst>
                                   <p:childTnLst>
                                     <p:set>
                                       <p:cBhvr>
-                                        <p:cTn id="41" dur="1" fill="hold">
+                                        <p:cTn id="47" dur="1" fill="hold">
                                           <p:stCondLst>
                                             <p:cond delay="0"/>
                                           </p:stCondLst>
@@ -5635,7 +5841,7 @@
                                     </p:set>
                                     <p:animEffect transition="in" filter="fade">
                                       <p:cBhvr>
-                                        <p:cTn id="42" dur="500"/>
+                                        <p:cTn id="48" dur="500"/>
                                         <p:tgtEl>
                                           <p:spTgt spid="3">
                                             <p:txEl>
@@ -5649,20 +5855,20 @@
                                 </p:cTn>
                               </p:par>
                               <p:par>
-                                <p:cTn id="43" presetID="10" presetClass="entr" presetSubtype="0" fill="hold" nodeType="withEffect">
+                                <p:cTn id="49" presetID="10" presetClass="entr" presetSubtype="0" fill="hold" nodeType="withEffect">
                                   <p:stCondLst>
                                     <p:cond delay="0"/>
                                   </p:stCondLst>
                                   <p:childTnLst>
                                     <p:set>
                                       <p:cBhvr>
-                                        <p:cTn id="44" dur="1" fill="hold">
+                                        <p:cTn id="50" dur="1" fill="hold">
                                           <p:stCondLst>
                                             <p:cond delay="0"/>
                                           </p:stCondLst>
                                         </p:cTn>
                                         <p:tgtEl>
-                                          <p:spTgt spid="1030"/>
+                                          <p:spTgt spid="1032"/>
                                         </p:tgtEl>
                                         <p:attrNameLst>
                                           <p:attrName>style.visibility</p:attrName>
@@ -5674,9 +5880,9 @@
                                     </p:set>
                                     <p:animEffect transition="in" filter="fade">
                                       <p:cBhvr>
-                                        <p:cTn id="45" dur="500"/>
+                                        <p:cTn id="51" dur="500"/>
                                         <p:tgtEl>
-                                          <p:spTgt spid="1030"/>
+                                          <p:spTgt spid="1032"/>
                                         </p:tgtEl>
                                       </p:cBhvr>
                                     </p:animEffect>
@@ -5690,40 +5896,40 @@
                     </p:cTn>
                   </p:par>
                   <p:par>
-                    <p:cTn id="46" fill="hold">
+                    <p:cTn id="52" fill="hold">
                       <p:stCondLst>
                         <p:cond delay="indefinite"/>
                       </p:stCondLst>
                       <p:childTnLst>
                         <p:par>
-                          <p:cTn id="47" fill="hold">
+                          <p:cTn id="53" fill="hold">
                             <p:stCondLst>
                               <p:cond delay="0"/>
                             </p:stCondLst>
                             <p:childTnLst>
                               <p:par>
-                                <p:cTn id="48" presetID="10" presetClass="exit" presetSubtype="0" fill="hold" nodeType="clickEffect">
+                                <p:cTn id="54" presetID="10" presetClass="exit" presetSubtype="0" fill="hold" nodeType="clickEffect">
                                   <p:stCondLst>
                                     <p:cond delay="0"/>
                                   </p:stCondLst>
                                   <p:childTnLst>
                                     <p:animEffect transition="out" filter="fade">
                                       <p:cBhvr>
-                                        <p:cTn id="49" dur="500"/>
+                                        <p:cTn id="55" dur="500"/>
                                         <p:tgtEl>
-                                          <p:spTgt spid="1030"/>
+                                          <p:spTgt spid="1032"/>
                                         </p:tgtEl>
                                       </p:cBhvr>
                                     </p:animEffect>
                                     <p:set>
                                       <p:cBhvr>
-                                        <p:cTn id="50" dur="1" fill="hold">
+                                        <p:cTn id="56" dur="1" fill="hold">
                                           <p:stCondLst>
                                             <p:cond delay="499"/>
                                           </p:stCondLst>
                                         </p:cTn>
                                         <p:tgtEl>
-                                          <p:spTgt spid="1030"/>
+                                          <p:spTgt spid="1032"/>
                                         </p:tgtEl>
                                         <p:attrNameLst>
                                           <p:attrName>style.visibility</p:attrName>
@@ -5737,14 +5943,14 @@
                                 </p:cTn>
                               </p:par>
                               <p:par>
-                                <p:cTn id="51" presetID="10" presetClass="entr" presetSubtype="0" fill="hold" grpId="0" nodeType="withEffect">
+                                <p:cTn id="57" presetID="10" presetClass="entr" presetSubtype="0" fill="hold" grpId="0" nodeType="withEffect">
                                   <p:stCondLst>
                                     <p:cond delay="0"/>
                                   </p:stCondLst>
                                   <p:childTnLst>
                                     <p:set>
                                       <p:cBhvr>
-                                        <p:cTn id="52" dur="1" fill="hold">
+                                        <p:cTn id="58" dur="1" fill="hold">
                                           <p:stCondLst>
                                             <p:cond delay="0"/>
                                           </p:stCondLst>
@@ -5766,7 +5972,7 @@
                                     </p:set>
                                     <p:animEffect transition="in" filter="fade">
                                       <p:cBhvr>
-                                        <p:cTn id="53" dur="500"/>
+                                        <p:cTn id="59" dur="500"/>
                                         <p:tgtEl>
                                           <p:spTgt spid="3">
                                             <p:txEl>
@@ -5780,145 +5986,14 @@
                                 </p:cTn>
                               </p:par>
                               <p:par>
-                                <p:cTn id="54" presetID="10" presetClass="entr" presetSubtype="0" fill="hold" nodeType="withEffect">
+                                <p:cTn id="60" presetID="10" presetClass="entr" presetSubtype="0" fill="hold" nodeType="withEffect">
                                   <p:stCondLst>
                                     <p:cond delay="0"/>
                                   </p:stCondLst>
                                   <p:childTnLst>
                                     <p:set>
                                       <p:cBhvr>
-                                        <p:cTn id="55" dur="1" fill="hold">
-                                          <p:stCondLst>
-                                            <p:cond delay="0"/>
-                                          </p:stCondLst>
-                                        </p:cTn>
-                                        <p:tgtEl>
-                                          <p:spTgt spid="1032"/>
-                                        </p:tgtEl>
-                                        <p:attrNameLst>
-                                          <p:attrName>style.visibility</p:attrName>
-                                        </p:attrNameLst>
-                                      </p:cBhvr>
-                                      <p:to>
-                                        <p:strVal val="visible"/>
-                                      </p:to>
-                                    </p:set>
-                                    <p:animEffect transition="in" filter="fade">
-                                      <p:cBhvr>
-                                        <p:cTn id="56" dur="500"/>
-                                        <p:tgtEl>
-                                          <p:spTgt spid="1032"/>
-                                        </p:tgtEl>
-                                      </p:cBhvr>
-                                    </p:animEffect>
-                                  </p:childTnLst>
-                                </p:cTn>
-                              </p:par>
-                            </p:childTnLst>
-                          </p:cTn>
-                        </p:par>
-                      </p:childTnLst>
-                    </p:cTn>
-                  </p:par>
-                  <p:par>
-                    <p:cTn id="57" fill="hold">
-                      <p:stCondLst>
-                        <p:cond delay="indefinite"/>
-                      </p:stCondLst>
-                      <p:childTnLst>
-                        <p:par>
-                          <p:cTn id="58" fill="hold">
-                            <p:stCondLst>
-                              <p:cond delay="0"/>
-                            </p:stCondLst>
-                            <p:childTnLst>
-                              <p:par>
-                                <p:cTn id="59" presetID="10" presetClass="exit" presetSubtype="0" fill="hold" nodeType="clickEffect">
-                                  <p:stCondLst>
-                                    <p:cond delay="0"/>
-                                  </p:stCondLst>
-                                  <p:childTnLst>
-                                    <p:animEffect transition="out" filter="fade">
-                                      <p:cBhvr>
-                                        <p:cTn id="60" dur="500"/>
-                                        <p:tgtEl>
-                                          <p:spTgt spid="1032"/>
-                                        </p:tgtEl>
-                                      </p:cBhvr>
-                                    </p:animEffect>
-                                    <p:set>
-                                      <p:cBhvr>
                                         <p:cTn id="61" dur="1" fill="hold">
-                                          <p:stCondLst>
-                                            <p:cond delay="499"/>
-                                          </p:stCondLst>
-                                        </p:cTn>
-                                        <p:tgtEl>
-                                          <p:spTgt spid="1032"/>
-                                        </p:tgtEl>
-                                        <p:attrNameLst>
-                                          <p:attrName>style.visibility</p:attrName>
-                                        </p:attrNameLst>
-                                      </p:cBhvr>
-                                      <p:to>
-                                        <p:strVal val="hidden"/>
-                                      </p:to>
-                                    </p:set>
-                                  </p:childTnLst>
-                                </p:cTn>
-                              </p:par>
-                              <p:par>
-                                <p:cTn id="62" presetID="10" presetClass="entr" presetSubtype="0" fill="hold" grpId="0" nodeType="withEffect">
-                                  <p:stCondLst>
-                                    <p:cond delay="0"/>
-                                  </p:stCondLst>
-                                  <p:childTnLst>
-                                    <p:set>
-                                      <p:cBhvr>
-                                        <p:cTn id="63" dur="1" fill="hold">
-                                          <p:stCondLst>
-                                            <p:cond delay="0"/>
-                                          </p:stCondLst>
-                                        </p:cTn>
-                                        <p:tgtEl>
-                                          <p:spTgt spid="3">
-                                            <p:txEl>
-                                              <p:pRg st="7" end="7"/>
-                                            </p:txEl>
-                                          </p:spTgt>
-                                        </p:tgtEl>
-                                        <p:attrNameLst>
-                                          <p:attrName>style.visibility</p:attrName>
-                                        </p:attrNameLst>
-                                      </p:cBhvr>
-                                      <p:to>
-                                        <p:strVal val="visible"/>
-                                      </p:to>
-                                    </p:set>
-                                    <p:animEffect transition="in" filter="fade">
-                                      <p:cBhvr>
-                                        <p:cTn id="64" dur="500"/>
-                                        <p:tgtEl>
-                                          <p:spTgt spid="3">
-                                            <p:txEl>
-                                              <p:pRg st="7" end="7"/>
-                                            </p:txEl>
-                                          </p:spTgt>
-                                        </p:tgtEl>
-                                      </p:cBhvr>
-                                    </p:animEffect>
-                                  </p:childTnLst>
-                                </p:cTn>
-                              </p:par>
-                              <p:par>
-                                <p:cTn id="65" presetID="10" presetClass="entr" presetSubtype="0" fill="hold" nodeType="withEffect">
-                                  <p:stCondLst>
-                                    <p:cond delay="0"/>
-                                  </p:stCondLst>
-                                  <p:childTnLst>
-                                    <p:set>
-                                      <p:cBhvr>
-                                        <p:cTn id="66" dur="1" fill="hold">
                                           <p:stCondLst>
                                             <p:cond delay="0"/>
                                           </p:stCondLst>
@@ -5936,7 +6011,7 @@
                                     </p:set>
                                     <p:animEffect transition="in" filter="fade">
                                       <p:cBhvr>
-                                        <p:cTn id="67" dur="500"/>
+                                        <p:cTn id="62" dur="500"/>
                                         <p:tgtEl>
                                           <p:spTgt spid="1034"/>
                                         </p:tgtEl>
